--- a/Report/Images/Proposed System/Camera Static Configuration.pptx
+++ b/Report/Images/Proposed System/Camera Static Configuration.pptx
@@ -104,6 +104,11 @@
       </a:defRPr>
     </a:lvl9pPr>
   </p:defaultTextStyle>
+  <p:extLst>
+    <p:ext uri="{EFAFB233-063F-42B5-8137-9DF3F51BA10A}">
+      <p15:sldGuideLst xmlns:p15="http://schemas.microsoft.com/office/powerpoint/2012/main"/>
+    </p:ext>
+  </p:extLst>
 </p:presentation>
 </file>
 
@@ -238,7 +243,7 @@
           <a:p>
             <a:fld id="{C61053CC-8888-F748-BB3C-0CD1987ECE71}" type="datetimeFigureOut">
               <a:rPr lang="es-ES_tradnl" smtClean="0"/>
-              <a:t>20/5/17</a:t>
+              <a:t>23/6/17</a:t>
             </a:fld>
             <a:endParaRPr lang="es-ES_tradnl"/>
           </a:p>
@@ -408,7 +413,7 @@
           <a:p>
             <a:fld id="{C61053CC-8888-F748-BB3C-0CD1987ECE71}" type="datetimeFigureOut">
               <a:rPr lang="es-ES_tradnl" smtClean="0"/>
-              <a:t>20/5/17</a:t>
+              <a:t>23/6/17</a:t>
             </a:fld>
             <a:endParaRPr lang="es-ES_tradnl"/>
           </a:p>
@@ -588,7 +593,7 @@
           <a:p>
             <a:fld id="{C61053CC-8888-F748-BB3C-0CD1987ECE71}" type="datetimeFigureOut">
               <a:rPr lang="es-ES_tradnl" smtClean="0"/>
-              <a:t>20/5/17</a:t>
+              <a:t>23/6/17</a:t>
             </a:fld>
             <a:endParaRPr lang="es-ES_tradnl"/>
           </a:p>
@@ -758,7 +763,7 @@
           <a:p>
             <a:fld id="{C61053CC-8888-F748-BB3C-0CD1987ECE71}" type="datetimeFigureOut">
               <a:rPr lang="es-ES_tradnl" smtClean="0"/>
-              <a:t>20/5/17</a:t>
+              <a:t>23/6/17</a:t>
             </a:fld>
             <a:endParaRPr lang="es-ES_tradnl"/>
           </a:p>
@@ -1004,7 +1009,7 @@
           <a:p>
             <a:fld id="{C61053CC-8888-F748-BB3C-0CD1987ECE71}" type="datetimeFigureOut">
               <a:rPr lang="es-ES_tradnl" smtClean="0"/>
-              <a:t>20/5/17</a:t>
+              <a:t>23/6/17</a:t>
             </a:fld>
             <a:endParaRPr lang="es-ES_tradnl"/>
           </a:p>
@@ -1236,7 +1241,7 @@
           <a:p>
             <a:fld id="{C61053CC-8888-F748-BB3C-0CD1987ECE71}" type="datetimeFigureOut">
               <a:rPr lang="es-ES_tradnl" smtClean="0"/>
-              <a:t>20/5/17</a:t>
+              <a:t>23/6/17</a:t>
             </a:fld>
             <a:endParaRPr lang="es-ES_tradnl"/>
           </a:p>
@@ -1603,7 +1608,7 @@
           <a:p>
             <a:fld id="{C61053CC-8888-F748-BB3C-0CD1987ECE71}" type="datetimeFigureOut">
               <a:rPr lang="es-ES_tradnl" smtClean="0"/>
-              <a:t>20/5/17</a:t>
+              <a:t>23/6/17</a:t>
             </a:fld>
             <a:endParaRPr lang="es-ES_tradnl"/>
           </a:p>
@@ -1721,7 +1726,7 @@
           <a:p>
             <a:fld id="{C61053CC-8888-F748-BB3C-0CD1987ECE71}" type="datetimeFigureOut">
               <a:rPr lang="es-ES_tradnl" smtClean="0"/>
-              <a:t>20/5/17</a:t>
+              <a:t>23/6/17</a:t>
             </a:fld>
             <a:endParaRPr lang="es-ES_tradnl"/>
           </a:p>
@@ -1816,7 +1821,7 @@
           <a:p>
             <a:fld id="{C61053CC-8888-F748-BB3C-0CD1987ECE71}" type="datetimeFigureOut">
               <a:rPr lang="es-ES_tradnl" smtClean="0"/>
-              <a:t>20/5/17</a:t>
+              <a:t>23/6/17</a:t>
             </a:fld>
             <a:endParaRPr lang="es-ES_tradnl"/>
           </a:p>
@@ -2093,7 +2098,7 @@
           <a:p>
             <a:fld id="{C61053CC-8888-F748-BB3C-0CD1987ECE71}" type="datetimeFigureOut">
               <a:rPr lang="es-ES_tradnl" smtClean="0"/>
-              <a:t>20/5/17</a:t>
+              <a:t>23/6/17</a:t>
             </a:fld>
             <a:endParaRPr lang="es-ES_tradnl"/>
           </a:p>
@@ -2346,7 +2351,7 @@
           <a:p>
             <a:fld id="{C61053CC-8888-F748-BB3C-0CD1987ECE71}" type="datetimeFigureOut">
               <a:rPr lang="es-ES_tradnl" smtClean="0"/>
-              <a:t>20/5/17</a:t>
+              <a:t>23/6/17</a:t>
             </a:fld>
             <a:endParaRPr lang="es-ES_tradnl"/>
           </a:p>
@@ -2559,7 +2564,7 @@
           <a:p>
             <a:fld id="{C61053CC-8888-F748-BB3C-0CD1987ECE71}" type="datetimeFigureOut">
               <a:rPr lang="es-ES_tradnl" smtClean="0"/>
-              <a:t>20/5/17</a:t>
+              <a:t>23/6/17</a:t>
             </a:fld>
             <a:endParaRPr lang="es-ES_tradnl"/>
           </a:p>
@@ -2972,7 +2977,7 @@
         </p:nvSpPr>
         <p:spPr>
           <a:xfrm>
-            <a:off x="2550695" y="1318661"/>
+            <a:off x="2550695" y="215098"/>
             <a:ext cx="7132320" cy="4446871"/>
           </a:xfrm>
           <a:prstGeom prst="rect">
@@ -3018,7 +3023,7 @@
         </p:nvCxnSpPr>
         <p:spPr>
           <a:xfrm>
-            <a:off x="770021" y="2799347"/>
+            <a:off x="770021" y="1695784"/>
             <a:ext cx="1780674" cy="0"/>
           </a:xfrm>
           <a:prstGeom prst="line">
@@ -3053,7 +3058,7 @@
         </p:nvCxnSpPr>
         <p:spPr>
           <a:xfrm>
-            <a:off x="770021" y="4337785"/>
+            <a:off x="770021" y="3234222"/>
             <a:ext cx="1780674" cy="0"/>
           </a:xfrm>
           <a:prstGeom prst="line">
@@ -3088,7 +3093,7 @@
         </p:nvCxnSpPr>
         <p:spPr>
           <a:xfrm>
-            <a:off x="9683039" y="2799347"/>
+            <a:off x="9683039" y="1695784"/>
             <a:ext cx="1780674" cy="0"/>
           </a:xfrm>
           <a:prstGeom prst="line">
@@ -3123,7 +3128,7 @@
         </p:nvCxnSpPr>
         <p:spPr>
           <a:xfrm>
-            <a:off x="9683039" y="4337785"/>
+            <a:off x="9683039" y="3234222"/>
             <a:ext cx="1780674" cy="0"/>
           </a:xfrm>
           <a:prstGeom prst="line">
@@ -3158,7 +3163,7 @@
         </p:nvGrpSpPr>
         <p:grpSpPr>
           <a:xfrm>
-            <a:off x="2136046" y="3406027"/>
+            <a:off x="2136046" y="2302464"/>
             <a:ext cx="829250" cy="325074"/>
             <a:chOff x="394636" y="529388"/>
             <a:chExt cx="1104915" cy="433137"/>
@@ -3268,8 +3273,8 @@
         </p:nvCxnSpPr>
         <p:spPr>
           <a:xfrm>
-            <a:off x="5558953" y="5765530"/>
-            <a:ext cx="0" cy="798897"/>
+            <a:off x="5558953" y="4661967"/>
+            <a:ext cx="0" cy="489149"/>
           </a:xfrm>
           <a:prstGeom prst="line">
             <a:avLst/>
@@ -3303,8 +3308,8 @@
         </p:nvCxnSpPr>
         <p:spPr>
           <a:xfrm>
-            <a:off x="6699658" y="5765530"/>
-            <a:ext cx="0" cy="798897"/>
+            <a:off x="6699658" y="4661967"/>
+            <a:ext cx="0" cy="489149"/>
           </a:xfrm>
           <a:prstGeom prst="line">
             <a:avLst/>
@@ -3338,7 +3343,7 @@
         </p:nvGrpSpPr>
         <p:grpSpPr>
           <a:xfrm rot="10800000">
-            <a:off x="9073946" y="3406027"/>
+            <a:off x="9068445" y="2268416"/>
             <a:ext cx="829250" cy="325074"/>
             <a:chOff x="394636" y="529388"/>
             <a:chExt cx="1104915" cy="433137"/>
@@ -3448,7 +3453,7 @@
         </p:nvGrpSpPr>
         <p:grpSpPr>
           <a:xfrm rot="16200000">
-            <a:off x="5719876" y="5456575"/>
+            <a:off x="5719876" y="4353012"/>
             <a:ext cx="829250" cy="325074"/>
             <a:chOff x="394636" y="529388"/>
             <a:chExt cx="1104915" cy="433137"/>
@@ -3572,8 +3577,8 @@
         </p:blipFill>
         <p:spPr>
           <a:xfrm>
-            <a:off x="5706139" y="6162350"/>
-            <a:ext cx="900000" cy="675000"/>
+            <a:off x="5139560" y="5270930"/>
+            <a:ext cx="1975850" cy="1481887"/>
           </a:xfrm>
           <a:prstGeom prst="rect">
             <a:avLst/>
@@ -3602,8 +3607,8 @@
         </p:blipFill>
         <p:spPr>
           <a:xfrm flipH="1">
-            <a:off x="10097664" y="3234744"/>
-            <a:ext cx="900000" cy="675000"/>
+            <a:off x="10043072" y="1719059"/>
+            <a:ext cx="1981367" cy="1486025"/>
           </a:xfrm>
           <a:prstGeom prst="rect">
             <a:avLst/>
@@ -3632,8 +3637,8 @@
         </p:blipFill>
         <p:spPr>
           <a:xfrm>
-            <a:off x="1064538" y="3230429"/>
-            <a:ext cx="901700" cy="676275"/>
+            <a:off x="46909" y="1730489"/>
+            <a:ext cx="1971206" cy="1478405"/>
           </a:xfrm>
           <a:prstGeom prst="rect">
             <a:avLst/>
@@ -3648,7 +3653,7 @@
         </p:nvSpPr>
         <p:spPr>
           <a:xfrm>
-            <a:off x="6899986" y="6315184"/>
+            <a:off x="6859337" y="4781784"/>
             <a:ext cx="1332000" cy="369332"/>
           </a:xfrm>
           <a:prstGeom prst="rect">
@@ -3684,7 +3689,7 @@
         </p:nvSpPr>
         <p:spPr>
           <a:xfrm>
-            <a:off x="10064092" y="4678279"/>
+            <a:off x="10064092" y="3574716"/>
             <a:ext cx="1332000" cy="369332"/>
           </a:xfrm>
           <a:prstGeom prst="rect">
@@ -3719,7 +3724,7 @@
         </p:nvSpPr>
         <p:spPr>
           <a:xfrm>
-            <a:off x="770021" y="4569035"/>
+            <a:off x="770021" y="3465472"/>
             <a:ext cx="1332000" cy="369332"/>
           </a:xfrm>
           <a:prstGeom prst="rect">
@@ -3755,10 +3760,10 @@
         </p:nvGrpSpPr>
         <p:grpSpPr>
           <a:xfrm>
-            <a:off x="4810648" y="3731102"/>
-            <a:ext cx="2656533" cy="1473385"/>
+            <a:off x="4748924" y="1386814"/>
+            <a:ext cx="2656533" cy="2714110"/>
             <a:chOff x="4810648" y="3731102"/>
-            <a:chExt cx="2656533" cy="1473385"/>
+            <a:chExt cx="2656533" cy="2714110"/>
           </a:xfrm>
         </p:grpSpPr>
         <p:cxnSp>
@@ -3773,14 +3778,14 @@
           <p:spPr>
             <a:xfrm flipH="1" flipV="1">
               <a:off x="4996746" y="4053336"/>
-              <a:ext cx="975218" cy="1151151"/>
+              <a:ext cx="1036942" cy="2391876"/>
             </a:xfrm>
             <a:prstGeom prst="line">
               <a:avLst/>
             </a:prstGeom>
-            <a:ln>
+            <a:ln w="19050">
               <a:solidFill>
-                <a:schemeClr val="tx1"/>
+                <a:srgbClr val="92D050"/>
               </a:solidFill>
             </a:ln>
           </p:spPr>
@@ -3810,15 +3815,15 @@
           </p:nvCxnSpPr>
           <p:spPr>
             <a:xfrm flipV="1">
-              <a:off x="6297038" y="4035583"/>
-              <a:ext cx="962004" cy="1168904"/>
+              <a:off x="6358762" y="4035583"/>
+              <a:ext cx="900280" cy="2409629"/>
             </a:xfrm>
             <a:prstGeom prst="line">
               <a:avLst/>
             </a:prstGeom>
-            <a:ln>
+            <a:ln w="19050">
               <a:solidFill>
-                <a:schemeClr val="tx1"/>
+                <a:srgbClr val="92D050"/>
               </a:solidFill>
             </a:ln>
           </p:spPr>
@@ -3854,9 +3859,9 @@
                 <a:gd name="adj2" fmla="val 20548327"/>
               </a:avLst>
             </a:prstGeom>
-            <a:ln>
+            <a:ln w="19050">
               <a:solidFill>
-                <a:schemeClr val="tx1"/>
+                <a:srgbClr val="92D050"/>
               </a:solidFill>
             </a:ln>
           </p:spPr>
@@ -3892,10 +3897,10 @@
         </p:nvGrpSpPr>
         <p:grpSpPr>
           <a:xfrm rot="16200000">
-            <a:off x="6997211" y="2820092"/>
-            <a:ext cx="2656533" cy="1496940"/>
+            <a:off x="6114802" y="684538"/>
+            <a:ext cx="2656533" cy="3250757"/>
             <a:chOff x="4810648" y="3731102"/>
-            <a:chExt cx="2656533" cy="1496940"/>
+            <a:chExt cx="2656533" cy="3250757"/>
           </a:xfrm>
         </p:grpSpPr>
         <p:cxnSp>
@@ -3908,15 +3913,15 @@
           </p:nvCxnSpPr>
           <p:spPr>
             <a:xfrm rot="5400000" flipH="1">
-              <a:off x="4899208" y="4150875"/>
-              <a:ext cx="1174704" cy="979629"/>
+              <a:off x="3976873" y="5103391"/>
+              <a:ext cx="2942898" cy="814037"/>
             </a:xfrm>
             <a:prstGeom prst="line">
               <a:avLst/>
             </a:prstGeom>
-            <a:ln>
+            <a:ln w="19050">
               <a:solidFill>
-                <a:schemeClr val="tx1"/>
+                <a:schemeClr val="accent1"/>
               </a:solidFill>
             </a:ln>
           </p:spPr>
@@ -3946,15 +3951,15 @@
           </p:nvCxnSpPr>
           <p:spPr>
             <a:xfrm rot="5400000" flipH="1" flipV="1">
-              <a:off x="6184017" y="4153016"/>
-              <a:ext cx="1192457" cy="957592"/>
+              <a:off x="5246592" y="4969407"/>
+              <a:ext cx="2946273" cy="1078627"/>
             </a:xfrm>
             <a:prstGeom prst="line">
               <a:avLst/>
             </a:prstGeom>
-            <a:ln>
+            <a:ln w="19050">
               <a:solidFill>
-                <a:schemeClr val="tx1"/>
+                <a:schemeClr val="accent1"/>
               </a:solidFill>
             </a:ln>
           </p:spPr>
@@ -3990,9 +3995,9 @@
                 <a:gd name="adj2" fmla="val 20548327"/>
               </a:avLst>
             </a:prstGeom>
-            <a:ln>
+            <a:ln w="19050">
               <a:solidFill>
-                <a:schemeClr val="tx1"/>
+                <a:schemeClr val="accent1"/>
               </a:solidFill>
             </a:ln>
           </p:spPr>
@@ -4028,31 +4033,31 @@
         </p:nvGrpSpPr>
         <p:grpSpPr>
           <a:xfrm rot="5400000">
-            <a:off x="2373722" y="2831870"/>
-            <a:ext cx="2656533" cy="1473386"/>
-            <a:chOff x="4810648" y="3731102"/>
-            <a:chExt cx="2656533" cy="1473386"/>
+            <a:off x="3382416" y="573418"/>
+            <a:ext cx="2656533" cy="3490772"/>
+            <a:chOff x="4664448" y="1713715"/>
+            <a:chExt cx="2656533" cy="3490774"/>
           </a:xfrm>
         </p:grpSpPr>
         <p:cxnSp>
           <p:nvCxnSpPr>
             <p:cNvPr id="80" name="Straight Connector 79"/>
             <p:cNvCxnSpPr>
-              <a:stCxn id="14" idx="4"/>
+              <a:endCxn id="82" idx="0"/>
             </p:cNvCxnSpPr>
             <p:nvPr/>
           </p:nvCxnSpPr>
           <p:spPr>
             <a:xfrm rot="16200000" flipV="1">
-              <a:off x="4910988" y="4139096"/>
-              <a:ext cx="1151151" cy="979632"/>
+              <a:off x="3836152" y="3050343"/>
+              <a:ext cx="3165133" cy="1136345"/>
             </a:xfrm>
             <a:prstGeom prst="line">
               <a:avLst/>
             </a:prstGeom>
-            <a:ln>
+            <a:ln w="19050">
               <a:solidFill>
-                <a:schemeClr val="tx1"/>
+                <a:srgbClr val="FF0000"/>
               </a:solidFill>
             </a:ln>
           </p:spPr>
@@ -4082,15 +4087,15 @@
           </p:nvCxnSpPr>
           <p:spPr>
             <a:xfrm rot="16200000">
-              <a:off x="6194200" y="4141442"/>
-              <a:ext cx="1170299" cy="955793"/>
+              <a:off x="5112404" y="3205848"/>
+              <a:ext cx="3187687" cy="809596"/>
             </a:xfrm>
             <a:prstGeom prst="line">
               <a:avLst/>
             </a:prstGeom>
-            <a:ln>
+            <a:ln w="19050">
               <a:solidFill>
-                <a:schemeClr val="tx1"/>
+                <a:srgbClr val="FF0000"/>
               </a:solidFill>
             </a:ln>
           </p:spPr>
@@ -4117,7 +4122,7 @@
           </p:nvSpPr>
           <p:spPr>
             <a:xfrm>
-              <a:off x="4810648" y="3731102"/>
+              <a:off x="4664448" y="1713715"/>
               <a:ext cx="2656533" cy="1316510"/>
             </a:xfrm>
             <a:prstGeom prst="arc">
@@ -4126,9 +4131,9 @@
                 <a:gd name="adj2" fmla="val 20542848"/>
               </a:avLst>
             </a:prstGeom>
-            <a:ln>
+            <a:ln w="19050">
               <a:solidFill>
-                <a:schemeClr val="tx1"/>
+                <a:srgbClr val="FF0000"/>
               </a:solidFill>
             </a:ln>
           </p:spPr>
@@ -4166,8 +4171,8 @@
         </p:nvCxnSpPr>
         <p:spPr>
           <a:xfrm flipV="1">
-            <a:off x="2965295" y="3568562"/>
-            <a:ext cx="972000" cy="2"/>
+            <a:off x="2965296" y="2413504"/>
+            <a:ext cx="2971685" cy="51497"/>
           </a:xfrm>
           <a:prstGeom prst="straightConnector1">
             <a:avLst/>
@@ -4202,8 +4207,8 @@
         </p:nvCxnSpPr>
         <p:spPr>
           <a:xfrm flipH="1" flipV="1">
-            <a:off x="6131658" y="4232486"/>
-            <a:ext cx="1" cy="972000"/>
+            <a:off x="6131659" y="2546999"/>
+            <a:ext cx="1" cy="1553924"/>
           </a:xfrm>
           <a:prstGeom prst="straightConnector1">
             <a:avLst/>
@@ -4237,9 +4242,9 @@
           <p:nvPr/>
         </p:nvCxnSpPr>
         <p:spPr>
-          <a:xfrm flipH="1" flipV="1">
-            <a:off x="8096445" y="3574117"/>
-            <a:ext cx="972000" cy="2"/>
+          <a:xfrm flipH="1">
+            <a:off x="6297014" y="2430951"/>
+            <a:ext cx="2771431" cy="0"/>
           </a:xfrm>
           <a:prstGeom prst="straightConnector1">
             <a:avLst/>

--- a/Report/Images/Proposed System/Camera Static Configuration.pptx
+++ b/Report/Images/Proposed System/Camera Static Configuration.pptx
@@ -243,7 +243,7 @@
           <a:p>
             <a:fld id="{C61053CC-8888-F748-BB3C-0CD1987ECE71}" type="datetimeFigureOut">
               <a:rPr lang="es-ES_tradnl" smtClean="0"/>
-              <a:t>23/6/17</a:t>
+              <a:t>26/6/17</a:t>
             </a:fld>
             <a:endParaRPr lang="es-ES_tradnl"/>
           </a:p>
@@ -413,7 +413,7 @@
           <a:p>
             <a:fld id="{C61053CC-8888-F748-BB3C-0CD1987ECE71}" type="datetimeFigureOut">
               <a:rPr lang="es-ES_tradnl" smtClean="0"/>
-              <a:t>23/6/17</a:t>
+              <a:t>26/6/17</a:t>
             </a:fld>
             <a:endParaRPr lang="es-ES_tradnl"/>
           </a:p>
@@ -593,7 +593,7 @@
           <a:p>
             <a:fld id="{C61053CC-8888-F748-BB3C-0CD1987ECE71}" type="datetimeFigureOut">
               <a:rPr lang="es-ES_tradnl" smtClean="0"/>
-              <a:t>23/6/17</a:t>
+              <a:t>26/6/17</a:t>
             </a:fld>
             <a:endParaRPr lang="es-ES_tradnl"/>
           </a:p>
@@ -763,7 +763,7 @@
           <a:p>
             <a:fld id="{C61053CC-8888-F748-BB3C-0CD1987ECE71}" type="datetimeFigureOut">
               <a:rPr lang="es-ES_tradnl" smtClean="0"/>
-              <a:t>23/6/17</a:t>
+              <a:t>26/6/17</a:t>
             </a:fld>
             <a:endParaRPr lang="es-ES_tradnl"/>
           </a:p>
@@ -1009,7 +1009,7 @@
           <a:p>
             <a:fld id="{C61053CC-8888-F748-BB3C-0CD1987ECE71}" type="datetimeFigureOut">
               <a:rPr lang="es-ES_tradnl" smtClean="0"/>
-              <a:t>23/6/17</a:t>
+              <a:t>26/6/17</a:t>
             </a:fld>
             <a:endParaRPr lang="es-ES_tradnl"/>
           </a:p>
@@ -1241,7 +1241,7 @@
           <a:p>
             <a:fld id="{C61053CC-8888-F748-BB3C-0CD1987ECE71}" type="datetimeFigureOut">
               <a:rPr lang="es-ES_tradnl" smtClean="0"/>
-              <a:t>23/6/17</a:t>
+              <a:t>26/6/17</a:t>
             </a:fld>
             <a:endParaRPr lang="es-ES_tradnl"/>
           </a:p>
@@ -1608,7 +1608,7 @@
           <a:p>
             <a:fld id="{C61053CC-8888-F748-BB3C-0CD1987ECE71}" type="datetimeFigureOut">
               <a:rPr lang="es-ES_tradnl" smtClean="0"/>
-              <a:t>23/6/17</a:t>
+              <a:t>26/6/17</a:t>
             </a:fld>
             <a:endParaRPr lang="es-ES_tradnl"/>
           </a:p>
@@ -1726,7 +1726,7 @@
           <a:p>
             <a:fld id="{C61053CC-8888-F748-BB3C-0CD1987ECE71}" type="datetimeFigureOut">
               <a:rPr lang="es-ES_tradnl" smtClean="0"/>
-              <a:t>23/6/17</a:t>
+              <a:t>26/6/17</a:t>
             </a:fld>
             <a:endParaRPr lang="es-ES_tradnl"/>
           </a:p>
@@ -1821,7 +1821,7 @@
           <a:p>
             <a:fld id="{C61053CC-8888-F748-BB3C-0CD1987ECE71}" type="datetimeFigureOut">
               <a:rPr lang="es-ES_tradnl" smtClean="0"/>
-              <a:t>23/6/17</a:t>
+              <a:t>26/6/17</a:t>
             </a:fld>
             <a:endParaRPr lang="es-ES_tradnl"/>
           </a:p>
@@ -2098,7 +2098,7 @@
           <a:p>
             <a:fld id="{C61053CC-8888-F748-BB3C-0CD1987ECE71}" type="datetimeFigureOut">
               <a:rPr lang="es-ES_tradnl" smtClean="0"/>
-              <a:t>23/6/17</a:t>
+              <a:t>26/6/17</a:t>
             </a:fld>
             <a:endParaRPr lang="es-ES_tradnl"/>
           </a:p>
@@ -2351,7 +2351,7 @@
           <a:p>
             <a:fld id="{C61053CC-8888-F748-BB3C-0CD1987ECE71}" type="datetimeFigureOut">
               <a:rPr lang="es-ES_tradnl" smtClean="0"/>
-              <a:t>23/6/17</a:t>
+              <a:t>26/6/17</a:t>
             </a:fld>
             <a:endParaRPr lang="es-ES_tradnl"/>
           </a:p>
@@ -2564,7 +2564,7 @@
           <a:p>
             <a:fld id="{C61053CC-8888-F748-BB3C-0CD1987ECE71}" type="datetimeFigureOut">
               <a:rPr lang="es-ES_tradnl" smtClean="0"/>
-              <a:t>23/6/17</a:t>
+              <a:t>26/6/17</a:t>
             </a:fld>
             <a:endParaRPr lang="es-ES_tradnl"/>
           </a:p>
@@ -3023,8 +3023,8 @@
         </p:nvCxnSpPr>
         <p:spPr>
           <a:xfrm>
-            <a:off x="770021" y="1695784"/>
-            <a:ext cx="1780674" cy="0"/>
+            <a:off x="2102021" y="1695784"/>
+            <a:ext cx="448674" cy="0"/>
           </a:xfrm>
           <a:prstGeom prst="line">
             <a:avLst/>
@@ -3058,8 +3058,8 @@
         </p:nvCxnSpPr>
         <p:spPr>
           <a:xfrm>
-            <a:off x="770021" y="3234222"/>
-            <a:ext cx="1780674" cy="0"/>
+            <a:off x="2102021" y="3234222"/>
+            <a:ext cx="448674" cy="0"/>
           </a:xfrm>
           <a:prstGeom prst="line">
             <a:avLst/>
@@ -3094,7 +3094,7 @@
         <p:spPr>
           <a:xfrm>
             <a:off x="9683039" y="1695784"/>
-            <a:ext cx="1780674" cy="0"/>
+            <a:ext cx="381053" cy="0"/>
           </a:xfrm>
           <a:prstGeom prst="line">
             <a:avLst/>
@@ -3129,7 +3129,7 @@
         <p:spPr>
           <a:xfrm>
             <a:off x="9683039" y="3234222"/>
-            <a:ext cx="1780674" cy="0"/>
+            <a:ext cx="381053" cy="0"/>
           </a:xfrm>
           <a:prstGeom prst="line">
             <a:avLst/>
@@ -3607,7 +3607,7 @@
         </p:blipFill>
         <p:spPr>
           <a:xfrm flipH="1">
-            <a:off x="10043072" y="1719059"/>
+            <a:off x="10177083" y="1719059"/>
             <a:ext cx="1981367" cy="1486025"/>
           </a:xfrm>
           <a:prstGeom prst="rect">
